--- a/ADIDAS DATA ANALYSIS.pptx
+++ b/ADIDAS DATA ANALYSIS.pptx
@@ -9,6 +9,7 @@
     <p:sldId id="261" r:id="rId3"/>
     <p:sldId id="262" r:id="rId4"/>
     <p:sldId id="258" r:id="rId5"/>
+    <p:sldId id="263" r:id="rId6"/>
   </p:sldIdLst>
   <p:sldSz cx="12192000" cy="6858000"/>
   <p:notesSz cx="6858000" cy="9144000"/>
@@ -3342,7 +3343,9 @@
         </p:nvSpPr>
         <p:spPr/>
         <p:txBody>
-          <a:bodyPr/>
+          <a:bodyPr>
+            <a:normAutofit/>
+          </a:bodyPr>
           <a:lstStyle/>
           <a:p>
             <a:pPr algn="ctr"/>
@@ -3354,7 +3357,29 @@
               </a:rPr>
               <a:t>ADIDAS DATA ANALYSIS</a:t>
             </a:r>
-            <a:endParaRPr lang="en-US" dirty="0"/>
+            <a:br>
+              <a:rPr lang="en-US" b="1" dirty="0">
+                <a:solidFill>
+                  <a:srgbClr val="FF0000"/>
+                </a:solidFill>
+              </a:rPr>
+            </a:br>
+            <a:r>
+              <a:rPr lang="en-US" sz="1400" b="1" dirty="0"/>
+              <a:t>By</a:t>
+            </a:r>
+            <a:r>
+              <a:rPr lang="en-US" b="1" dirty="0">
+                <a:solidFill>
+                  <a:srgbClr val="FF0000"/>
+                </a:solidFill>
+              </a:rPr>
+              <a:t> </a:t>
+            </a:r>
+            <a:r>
+              <a:rPr lang="en-US" sz="1400" b="1" dirty="0"/>
+              <a:t>Shamsheera A T</a:t>
+            </a:r>
           </a:p>
         </p:txBody>
       </p:sp>
@@ -3409,27 +3434,8 @@
           <a:p>
             <a:r>
               <a:rPr lang="en-US" dirty="0"/>
-              <a:t>Through This </a:t>
-            </a:r>
-            <a:r>
-              <a:rPr lang="en-US" dirty="0" err="1"/>
-              <a:t>PowerBi</a:t>
-            </a:r>
-            <a:r>
-              <a:rPr lang="en-US" dirty="0"/>
-              <a:t> </a:t>
-            </a:r>
-            <a:r>
-              <a:rPr lang="en-US" dirty="0" err="1"/>
-              <a:t>Analysis,will</a:t>
-            </a:r>
-            <a:r>
-              <a:rPr lang="en-US" dirty="0"/>
-              <a:t> understand the business growth and challenges</a:t>
-            </a:r>
-          </a:p>
-          <a:p>
-            <a:endParaRPr lang="en-US" dirty="0"/>
+              <a:t>Through This Powe Bi Analysis ,will understand the business growth and challenges</a:t>
+            </a:r>
           </a:p>
           <a:p>
             <a:r>
@@ -3441,6 +3447,12 @@
             <a:r>
               <a:rPr lang="en-US" dirty="0"/>
               <a:t>Identification of Geographical areas with high and low sales</a:t>
+            </a:r>
+          </a:p>
+          <a:p>
+            <a:r>
+              <a:rPr lang="en-US" dirty="0"/>
+              <a:t>Overall Performance of Business.</a:t>
             </a:r>
           </a:p>
           <a:p>
@@ -3587,13 +3599,8 @@
             </a:pPr>
             <a:r>
               <a:rPr lang="en-US" dirty="0"/>
-              <a:t>Evaluate the Total Profit Generated across Different </a:t>
-            </a:r>
-            <a:r>
-              <a:rPr lang="en-US" dirty="0" err="1"/>
-              <a:t>Dimentions</a:t>
-            </a:r>
-            <a:endParaRPr lang="en-US" dirty="0"/>
+              <a:t>Evaluate the Total Profit Generated across Different Dimensions.</a:t>
+            </a:r>
           </a:p>
           <a:p>
             <a:pPr marL="0" indent="0">
@@ -3717,7 +3724,7 @@
         <p:spPr>
           <a:xfrm>
             <a:off x="989351" y="2024869"/>
-            <a:ext cx="9908498" cy="5078313"/>
+            <a:ext cx="9908498" cy="4708981"/>
           </a:xfrm>
           <a:prstGeom prst="rect">
             <a:avLst/>
@@ -3742,15 +3749,6 @@
               </a:rPr>
               <a:t>Analysis done for :</a:t>
             </a:r>
-          </a:p>
-          <a:p>
-            <a:endParaRPr lang="en-US" sz="2400" b="1" dirty="0">
-              <a:solidFill>
-                <a:schemeClr val="accent1">
-                  <a:lumMod val="50000"/>
-                </a:schemeClr>
-              </a:solidFill>
-            </a:endParaRPr>
           </a:p>
           <a:p>
             <a:r>
@@ -4050,6 +4048,93 @@
     <p:extLst>
       <p:ext uri="{BB962C8B-B14F-4D97-AF65-F5344CB8AC3E}">
         <p14:creationId xmlns:p14="http://schemas.microsoft.com/office/powerpoint/2010/main" val="3085895195"/>
+      </p:ext>
+    </p:extLst>
+  </p:cSld>
+  <p:clrMapOvr>
+    <a:masterClrMapping/>
+  </p:clrMapOvr>
+</p:sld>
+</file>
+
+<file path=ppt/slides/slide5.xml><?xml version="1.0" encoding="utf-8"?>
+<p:sld xmlns:a="http://schemas.openxmlformats.org/drawingml/2006/main" xmlns:r="http://schemas.openxmlformats.org/officeDocument/2006/relationships" xmlns:p="http://schemas.openxmlformats.org/presentationml/2006/main">
+  <p:cSld>
+    <p:spTree>
+      <p:nvGrpSpPr>
+        <p:cNvPr id="1" name=""/>
+        <p:cNvGrpSpPr/>
+        <p:nvPr/>
+      </p:nvGrpSpPr>
+      <p:grpSpPr>
+        <a:xfrm>
+          <a:off x="0" y="0"/>
+          <a:ext cx="0" cy="0"/>
+          <a:chOff x="0" y="0"/>
+          <a:chExt cx="0" cy="0"/>
+        </a:xfrm>
+      </p:grpSpPr>
+      <p:sp>
+        <p:nvSpPr>
+          <p:cNvPr id="2" name="Title 1">
+            <a:extLst>
+              <a:ext uri="{FF2B5EF4-FFF2-40B4-BE49-F238E27FC236}">
+                <a16:creationId xmlns:a16="http://schemas.microsoft.com/office/drawing/2014/main" id="{6C77D497-DE7C-6C41-1173-52F0693AD288}"/>
+              </a:ext>
+            </a:extLst>
+          </p:cNvPr>
+          <p:cNvSpPr>
+            <a:spLocks noGrp="1"/>
+          </p:cNvSpPr>
+          <p:nvPr>
+            <p:ph type="title"/>
+          </p:nvPr>
+        </p:nvSpPr>
+        <p:spPr/>
+        <p:txBody>
+          <a:bodyPr/>
+          <a:lstStyle/>
+          <a:p>
+            <a:r>
+              <a:rPr lang="en-US" dirty="0"/>
+              <a:t>Analysis</a:t>
+            </a:r>
+          </a:p>
+        </p:txBody>
+      </p:sp>
+      <p:pic>
+        <p:nvPicPr>
+          <p:cNvPr id="5" name="Content Placeholder 4">
+            <a:extLst>
+              <a:ext uri="{FF2B5EF4-FFF2-40B4-BE49-F238E27FC236}">
+                <a16:creationId xmlns:a16="http://schemas.microsoft.com/office/drawing/2014/main" id="{A65651D1-22CB-A677-3B39-CC0F0C2DF3EE}"/>
+              </a:ext>
+            </a:extLst>
+          </p:cNvPr>
+          <p:cNvPicPr>
+            <a:picLocks noGrp="1" noChangeAspect="1"/>
+          </p:cNvPicPr>
+          <p:nvPr>
+            <p:ph idx="1"/>
+          </p:nvPr>
+        </p:nvPicPr>
+        <p:blipFill>
+          <a:blip r:embed="rId2"/>
+          <a:stretch>
+            <a:fillRect/>
+          </a:stretch>
+        </p:blipFill>
+        <p:spPr>
+          <a:xfrm>
+            <a:off x="2253315" y="1825625"/>
+            <a:ext cx="7685369" cy="4351338"/>
+          </a:xfrm>
+        </p:spPr>
+      </p:pic>
+    </p:spTree>
+    <p:extLst>
+      <p:ext uri="{BB962C8B-B14F-4D97-AF65-F5344CB8AC3E}">
+        <p14:creationId xmlns:p14="http://schemas.microsoft.com/office/powerpoint/2010/main" val="1810912279"/>
       </p:ext>
     </p:extLst>
   </p:cSld>
